--- a/Kaggle 소개.pptx
+++ b/Kaggle 소개.pptx
@@ -117,14 +117,6 @@
     </p:ext>
   </p:extLst>
 </p:presentation>
-</file>
-
-<file path=ppt/revisionInfo.xml><?xml version="1.0" encoding="utf-8"?>
-<p1510:revInfo xmlns:a="http://schemas.openxmlformats.org/drawingml/2006/main" xmlns:r="http://schemas.openxmlformats.org/officeDocument/2006/relationships" xmlns:p1510="http://schemas.microsoft.com/office/powerpoint/2015/10/main">
-  <p1510:revLst>
-    <p1510:client id="{55B8BCFB-526F-4AF6-B622-7731C2B29E1D}" v="206" dt="2020-02-08T05:54:57.565"/>
-  </p1510:revLst>
-</p1510:revInfo>
 </file>
 
 <file path=ppt/slideLayouts/slideLayout1.xml><?xml version="1.0" encoding="utf-8"?>
@@ -3627,10 +3619,39 @@
       </p:sp>
       <p:pic>
         <p:nvPicPr>
-          <p:cNvPr id="2" name="그림 1">
-            <a:extLst>
-              <a:ext uri="{FF2B5EF4-FFF2-40B4-BE49-F238E27FC236}">
-                <a16:creationId xmlns:a16="http://schemas.microsoft.com/office/drawing/2014/main" id="{0E336985-2C75-4AD7-9708-EAE4AEF1A6EA}"/>
+          <p:cNvPr id="4" name="그림 3">
+            <a:extLst>
+              <a:ext uri="{FF2B5EF4-FFF2-40B4-BE49-F238E27FC236}">
+                <a16:creationId xmlns:a16="http://schemas.microsoft.com/office/drawing/2014/main" id="{91350006-24E2-4A13-A953-1D4CEA8D5D87}"/>
+              </a:ext>
+            </a:extLst>
+          </p:cNvPr>
+          <p:cNvPicPr>
+            <a:picLocks noChangeAspect="1"/>
+          </p:cNvPicPr>
+          <p:nvPr/>
+        </p:nvPicPr>
+        <p:blipFill rotWithShape="1">
+          <a:blip r:embed="rId2"/>
+          <a:srcRect t="1" b="37341"/>
+          <a:stretch/>
+        </p:blipFill>
+        <p:spPr>
+          <a:xfrm>
+            <a:off x="223837" y="3542156"/>
+            <a:ext cx="11877676" cy="3039617"/>
+          </a:xfrm>
+          <a:prstGeom prst="rect">
+            <a:avLst/>
+          </a:prstGeom>
+        </p:spPr>
+      </p:pic>
+      <p:pic>
+        <p:nvPicPr>
+          <p:cNvPr id="6" name="그림 5">
+            <a:extLst>
+              <a:ext uri="{FF2B5EF4-FFF2-40B4-BE49-F238E27FC236}">
+                <a16:creationId xmlns:a16="http://schemas.microsoft.com/office/drawing/2014/main" id="{5EFDA9FF-5583-43A7-9E31-9FD56456EBB0}"/>
               </a:ext>
             </a:extLst>
           </p:cNvPr>
@@ -3640,15 +3661,15 @@
           <p:nvPr/>
         </p:nvPicPr>
         <p:blipFill>
-          <a:blip r:embed="rId2"/>
+          <a:blip r:embed="rId3"/>
           <a:stretch>
             <a:fillRect/>
           </a:stretch>
         </p:blipFill>
         <p:spPr>
           <a:xfrm>
-            <a:off x="314324" y="2448519"/>
-            <a:ext cx="9725025" cy="714375"/>
+            <a:off x="542925" y="2286000"/>
+            <a:ext cx="8648700" cy="1180135"/>
           </a:xfrm>
           <a:prstGeom prst="rect">
             <a:avLst/>
@@ -4521,7 +4542,7 @@
             </a:r>
             <a:r>
               <a:rPr lang="ko-KR" altLang="en-US" b="1" dirty="0"/>
-              <a:t>주별 </a:t>
+              <a:t>주 </a:t>
             </a:r>
             <a:r>
               <a:rPr lang="en-US" altLang="ko-KR" b="1" dirty="0"/>
@@ -4710,7 +4731,7 @@
         </p:blipFill>
         <p:spPr>
           <a:xfrm>
-            <a:off x="329537" y="1124124"/>
+            <a:off x="329537" y="942990"/>
             <a:ext cx="7765839" cy="5294225"/>
           </a:xfrm>
           <a:prstGeom prst="rect">
@@ -4899,7 +4920,7 @@
         </p:blipFill>
         <p:spPr>
           <a:xfrm>
-            <a:off x="195263" y="786227"/>
+            <a:off x="195263" y="824627"/>
             <a:ext cx="7034212" cy="4268102"/>
           </a:xfrm>
           <a:prstGeom prst="rect">
@@ -4921,8 +4942,8 @@
         </p:nvSpPr>
         <p:spPr>
           <a:xfrm>
-            <a:off x="7229475" y="843677"/>
-            <a:ext cx="4861082" cy="3416320"/>
+            <a:off x="7496175" y="986552"/>
+            <a:ext cx="4133850" cy="3416320"/>
           </a:xfrm>
           <a:prstGeom prst="rect">
             <a:avLst/>
@@ -5552,10 +5573,10 @@
       </p:sp>
       <p:pic>
         <p:nvPicPr>
-          <p:cNvPr id="2" name="그림 1">
-            <a:extLst>
-              <a:ext uri="{FF2B5EF4-FFF2-40B4-BE49-F238E27FC236}">
-                <a16:creationId xmlns:a16="http://schemas.microsoft.com/office/drawing/2014/main" id="{4A9BF532-38BB-4E98-825F-E6F6ADFD0E60}"/>
+          <p:cNvPr id="5" name="그림 4">
+            <a:extLst>
+              <a:ext uri="{FF2B5EF4-FFF2-40B4-BE49-F238E27FC236}">
+                <a16:creationId xmlns:a16="http://schemas.microsoft.com/office/drawing/2014/main" id="{4B65786B-1DD0-4896-9E72-78A20E68FEB0}"/>
               </a:ext>
             </a:extLst>
           </p:cNvPr>
@@ -5572,8 +5593,8 @@
         </p:blipFill>
         <p:spPr>
           <a:xfrm>
-            <a:off x="161604" y="776288"/>
-            <a:ext cx="6543995" cy="4427188"/>
+            <a:off x="158909" y="800817"/>
+            <a:ext cx="6676709" cy="4983480"/>
           </a:xfrm>
           <a:prstGeom prst="rect">
             <a:avLst/>

--- a/Kaggle 소개.pptx
+++ b/Kaggle 소개.pptx
@@ -5197,7 +5197,7 @@
         <p:spPr>
           <a:xfrm>
             <a:off x="6835618" y="800817"/>
-            <a:ext cx="5280182" cy="5478423"/>
+            <a:ext cx="5280182" cy="5693866"/>
           </a:xfrm>
           <a:prstGeom prst="rect">
             <a:avLst/>
@@ -5336,6 +5336,9 @@
               <a:rPr lang="en-US" altLang="ko-KR" sz="1400" dirty="0"/>
               <a:t>, Train data, Test data</a:t>
             </a:r>
+          </a:p>
+          <a:p>
+            <a:endParaRPr lang="en-US" altLang="ko-KR" sz="1400" dirty="0"/>
           </a:p>
           <a:p>
             <a:r>
